--- a/4th_session/diana_pholo.pptx
+++ b/4th_session/diana_pholo.pptx
@@ -14009,7 +14009,7 @@
             </a:pPr>
             <a:r>
               <a:rPr lang="en"/>
-              <a:t>How do I get started?</a:t>
+              <a:t>How did I get started?</a:t>
             </a:r>
             <a:endParaRPr/>
           </a:p>
@@ -15152,7 +15152,7 @@
             </a:pPr>
             <a:r>
               <a:rPr lang="en"/>
-              <a:t>Quick tips</a:t>
+              <a:t>My initial struggles</a:t>
             </a:r>
             <a:endParaRPr/>
           </a:p>
